--- a/week12_python7_pandas/python12_numpy_pandas.pptx
+++ b/week12_python7_pandas/python12_numpy_pandas.pptx
@@ -216,7 +216,7 @@
           <a:p>
             <a:fld id="{16DBA9A8-790D-A34C-81B3-AAB3B1EC16EF}" type="datetimeFigureOut">
               <a:rPr lang="en-US" smtClean="0"/>
-              <a:t>11/14/23</a:t>
+              <a:t>11/11/24</a:t>
             </a:fld>
             <a:endParaRPr lang="en-US"/>
           </a:p>
@@ -714,7 +714,7 @@
           <a:p>
             <a:fld id="{9B0A542E-AEBB-EF44-9C2C-32DFB0F4562E}" type="datetimeFigureOut">
               <a:rPr lang="en-US" smtClean="0"/>
-              <a:t>11/14/23</a:t>
+              <a:t>11/11/24</a:t>
             </a:fld>
             <a:endParaRPr lang="en-US"/>
           </a:p>
@@ -912,7 +912,7 @@
           <a:p>
             <a:fld id="{9B0A542E-AEBB-EF44-9C2C-32DFB0F4562E}" type="datetimeFigureOut">
               <a:rPr lang="en-US" smtClean="0"/>
-              <a:t>11/14/23</a:t>
+              <a:t>11/11/24</a:t>
             </a:fld>
             <a:endParaRPr lang="en-US"/>
           </a:p>
@@ -1120,7 +1120,7 @@
           <a:p>
             <a:fld id="{9B0A542E-AEBB-EF44-9C2C-32DFB0F4562E}" type="datetimeFigureOut">
               <a:rPr lang="en-US" smtClean="0"/>
-              <a:t>11/14/23</a:t>
+              <a:t>11/11/24</a:t>
             </a:fld>
             <a:endParaRPr lang="en-US"/>
           </a:p>
@@ -1318,7 +1318,7 @@
           <a:p>
             <a:fld id="{9B0A542E-AEBB-EF44-9C2C-32DFB0F4562E}" type="datetimeFigureOut">
               <a:rPr lang="en-US" smtClean="0"/>
-              <a:t>11/14/23</a:t>
+              <a:t>11/11/24</a:t>
             </a:fld>
             <a:endParaRPr lang="en-US"/>
           </a:p>
@@ -1593,7 +1593,7 @@
           <a:p>
             <a:fld id="{9B0A542E-AEBB-EF44-9C2C-32DFB0F4562E}" type="datetimeFigureOut">
               <a:rPr lang="en-US" smtClean="0"/>
-              <a:t>11/14/23</a:t>
+              <a:t>11/11/24</a:t>
             </a:fld>
             <a:endParaRPr lang="en-US"/>
           </a:p>
@@ -1858,7 +1858,7 @@
           <a:p>
             <a:fld id="{9B0A542E-AEBB-EF44-9C2C-32DFB0F4562E}" type="datetimeFigureOut">
               <a:rPr lang="en-US" smtClean="0"/>
-              <a:t>11/14/23</a:t>
+              <a:t>11/11/24</a:t>
             </a:fld>
             <a:endParaRPr lang="en-US"/>
           </a:p>
@@ -2270,7 +2270,7 @@
           <a:p>
             <a:fld id="{9B0A542E-AEBB-EF44-9C2C-32DFB0F4562E}" type="datetimeFigureOut">
               <a:rPr lang="en-US" smtClean="0"/>
-              <a:t>11/14/23</a:t>
+              <a:t>11/11/24</a:t>
             </a:fld>
             <a:endParaRPr lang="en-US"/>
           </a:p>
@@ -2411,7 +2411,7 @@
           <a:p>
             <a:fld id="{9B0A542E-AEBB-EF44-9C2C-32DFB0F4562E}" type="datetimeFigureOut">
               <a:rPr lang="en-US" smtClean="0"/>
-              <a:t>11/14/23</a:t>
+              <a:t>11/11/24</a:t>
             </a:fld>
             <a:endParaRPr lang="en-US"/>
           </a:p>
@@ -2524,7 +2524,7 @@
           <a:p>
             <a:fld id="{9B0A542E-AEBB-EF44-9C2C-32DFB0F4562E}" type="datetimeFigureOut">
               <a:rPr lang="en-US" smtClean="0"/>
-              <a:t>11/14/23</a:t>
+              <a:t>11/11/24</a:t>
             </a:fld>
             <a:endParaRPr lang="en-US"/>
           </a:p>
@@ -2835,7 +2835,7 @@
           <a:p>
             <a:fld id="{9B0A542E-AEBB-EF44-9C2C-32DFB0F4562E}" type="datetimeFigureOut">
               <a:rPr lang="en-US" smtClean="0"/>
-              <a:t>11/14/23</a:t>
+              <a:t>11/11/24</a:t>
             </a:fld>
             <a:endParaRPr lang="en-US"/>
           </a:p>
@@ -3123,7 +3123,7 @@
           <a:p>
             <a:fld id="{9B0A542E-AEBB-EF44-9C2C-32DFB0F4562E}" type="datetimeFigureOut">
               <a:rPr lang="en-US" smtClean="0"/>
-              <a:t>11/14/23</a:t>
+              <a:t>11/11/24</a:t>
             </a:fld>
             <a:endParaRPr lang="en-US"/>
           </a:p>
@@ -3364,7 +3364,7 @@
           <a:p>
             <a:fld id="{9B0A542E-AEBB-EF44-9C2C-32DFB0F4562E}" type="datetimeFigureOut">
               <a:rPr lang="en-US" smtClean="0"/>
-              <a:t>11/14/23</a:t>
+              <a:t>11/11/24</a:t>
             </a:fld>
             <a:endParaRPr lang="en-US"/>
           </a:p>
@@ -8640,8 +8640,8 @@
         </p:nvSpPr>
         <p:spPr>
           <a:xfrm>
-            <a:off x="3305813" y="489098"/>
-            <a:ext cx="5580374" cy="523220"/>
+            <a:off x="205774" y="199167"/>
+            <a:ext cx="3462977" cy="954107"/>
           </a:xfrm>
           <a:prstGeom prst="rect">
             <a:avLst/>
@@ -8649,7 +8649,7 @@
           <a:noFill/>
         </p:spPr>
         <p:txBody>
-          <a:bodyPr wrap="none" rtlCol="0">
+          <a:bodyPr wrap="square" rtlCol="0">
             <a:spAutoFit/>
           </a:bodyPr>
           <a:lstStyle/>
@@ -8665,10 +8665,10 @@
       </p:sp>
       <p:pic>
         <p:nvPicPr>
-          <p:cNvPr id="12" name="Picture 11" descr="A screenshot of a computer program&#10;&#10;Description automatically generated">
-            <a:extLst>
-              <a:ext uri="{FF2B5EF4-FFF2-40B4-BE49-F238E27FC236}">
-                <a16:creationId xmlns:a16="http://schemas.microsoft.com/office/drawing/2014/main" id="{76B689A8-AF1B-6408-2AF8-B1F21AA1CEAB}"/>
+          <p:cNvPr id="3" name="Picture 2" descr="A screenshot of a computer code&#10;&#10;Description automatically generated">
+            <a:extLst>
+              <a:ext uri="{FF2B5EF4-FFF2-40B4-BE49-F238E27FC236}">
+                <a16:creationId xmlns:a16="http://schemas.microsoft.com/office/drawing/2014/main" id="{B6D25C23-C86A-B042-068C-2FB6C61E07A9}"/>
               </a:ext>
             </a:extLst>
           </p:cNvPr>
@@ -8677,15 +8677,16 @@
           </p:cNvPicPr>
           <p:nvPr/>
         </p:nvPicPr>
-        <p:blipFill rotWithShape="1">
+        <p:blipFill>
           <a:blip r:embed="rId3"/>
-          <a:srcRect t="1441"/>
-          <a:stretch/>
+          <a:stretch>
+            <a:fillRect/>
+          </a:stretch>
         </p:blipFill>
         <p:spPr>
           <a:xfrm>
-            <a:off x="459583" y="1498600"/>
-            <a:ext cx="11295795" cy="4521200"/>
+            <a:off x="4246220" y="323385"/>
+            <a:ext cx="6235926" cy="6343442"/>
           </a:xfrm>
           <a:prstGeom prst="rect">
             <a:avLst/>
@@ -9208,7 +9209,7 @@
                 </a:ln>
                 <a:latin typeface="Helvetica Light" panose="020B0403020202020204" pitchFamily="34" charset="0"/>
               </a:rPr>
-              <a:t>ssignment_6_python.md &amp; answers (for week 	12 and week after Thanksgiving)</a:t>
+              <a:t>ssignment_6_python.md &amp; answers (for week 	12)</a:t>
             </a:r>
           </a:p>
         </p:txBody>

--- a/week12_python7_pandas/python12_numpy_pandas.pptx
+++ b/week12_python7_pandas/python12_numpy_pandas.pptx
@@ -216,7 +216,7 @@
           <a:p>
             <a:fld id="{16DBA9A8-790D-A34C-81B3-AAB3B1EC16EF}" type="datetimeFigureOut">
               <a:rPr lang="en-US" smtClean="0"/>
-              <a:t>11/11/24</a:t>
+              <a:t>11/12/24</a:t>
             </a:fld>
             <a:endParaRPr lang="en-US"/>
           </a:p>
@@ -714,7 +714,7 @@
           <a:p>
             <a:fld id="{9B0A542E-AEBB-EF44-9C2C-32DFB0F4562E}" type="datetimeFigureOut">
               <a:rPr lang="en-US" smtClean="0"/>
-              <a:t>11/11/24</a:t>
+              <a:t>11/12/24</a:t>
             </a:fld>
             <a:endParaRPr lang="en-US"/>
           </a:p>
@@ -912,7 +912,7 @@
           <a:p>
             <a:fld id="{9B0A542E-AEBB-EF44-9C2C-32DFB0F4562E}" type="datetimeFigureOut">
               <a:rPr lang="en-US" smtClean="0"/>
-              <a:t>11/11/24</a:t>
+              <a:t>11/12/24</a:t>
             </a:fld>
             <a:endParaRPr lang="en-US"/>
           </a:p>
@@ -1120,7 +1120,7 @@
           <a:p>
             <a:fld id="{9B0A542E-AEBB-EF44-9C2C-32DFB0F4562E}" type="datetimeFigureOut">
               <a:rPr lang="en-US" smtClean="0"/>
-              <a:t>11/11/24</a:t>
+              <a:t>11/12/24</a:t>
             </a:fld>
             <a:endParaRPr lang="en-US"/>
           </a:p>
@@ -1318,7 +1318,7 @@
           <a:p>
             <a:fld id="{9B0A542E-AEBB-EF44-9C2C-32DFB0F4562E}" type="datetimeFigureOut">
               <a:rPr lang="en-US" smtClean="0"/>
-              <a:t>11/11/24</a:t>
+              <a:t>11/12/24</a:t>
             </a:fld>
             <a:endParaRPr lang="en-US"/>
           </a:p>
@@ -1593,7 +1593,7 @@
           <a:p>
             <a:fld id="{9B0A542E-AEBB-EF44-9C2C-32DFB0F4562E}" type="datetimeFigureOut">
               <a:rPr lang="en-US" smtClean="0"/>
-              <a:t>11/11/24</a:t>
+              <a:t>11/12/24</a:t>
             </a:fld>
             <a:endParaRPr lang="en-US"/>
           </a:p>
@@ -1858,7 +1858,7 @@
           <a:p>
             <a:fld id="{9B0A542E-AEBB-EF44-9C2C-32DFB0F4562E}" type="datetimeFigureOut">
               <a:rPr lang="en-US" smtClean="0"/>
-              <a:t>11/11/24</a:t>
+              <a:t>11/12/24</a:t>
             </a:fld>
             <a:endParaRPr lang="en-US"/>
           </a:p>
@@ -2270,7 +2270,7 @@
           <a:p>
             <a:fld id="{9B0A542E-AEBB-EF44-9C2C-32DFB0F4562E}" type="datetimeFigureOut">
               <a:rPr lang="en-US" smtClean="0"/>
-              <a:t>11/11/24</a:t>
+              <a:t>11/12/24</a:t>
             </a:fld>
             <a:endParaRPr lang="en-US"/>
           </a:p>
@@ -2411,7 +2411,7 @@
           <a:p>
             <a:fld id="{9B0A542E-AEBB-EF44-9C2C-32DFB0F4562E}" type="datetimeFigureOut">
               <a:rPr lang="en-US" smtClean="0"/>
-              <a:t>11/11/24</a:t>
+              <a:t>11/12/24</a:t>
             </a:fld>
             <a:endParaRPr lang="en-US"/>
           </a:p>
@@ -2524,7 +2524,7 @@
           <a:p>
             <a:fld id="{9B0A542E-AEBB-EF44-9C2C-32DFB0F4562E}" type="datetimeFigureOut">
               <a:rPr lang="en-US" smtClean="0"/>
-              <a:t>11/11/24</a:t>
+              <a:t>11/12/24</a:t>
             </a:fld>
             <a:endParaRPr lang="en-US"/>
           </a:p>
@@ -2835,7 +2835,7 @@
           <a:p>
             <a:fld id="{9B0A542E-AEBB-EF44-9C2C-32DFB0F4562E}" type="datetimeFigureOut">
               <a:rPr lang="en-US" smtClean="0"/>
-              <a:t>11/11/24</a:t>
+              <a:t>11/12/24</a:t>
             </a:fld>
             <a:endParaRPr lang="en-US"/>
           </a:p>
@@ -3123,7 +3123,7 @@
           <a:p>
             <a:fld id="{9B0A542E-AEBB-EF44-9C2C-32DFB0F4562E}" type="datetimeFigureOut">
               <a:rPr lang="en-US" smtClean="0"/>
-              <a:t>11/11/24</a:t>
+              <a:t>11/12/24</a:t>
             </a:fld>
             <a:endParaRPr lang="en-US"/>
           </a:p>
@@ -3364,7 +3364,7 @@
           <a:p>
             <a:fld id="{9B0A542E-AEBB-EF44-9C2C-32DFB0F4562E}" type="datetimeFigureOut">
               <a:rPr lang="en-US" smtClean="0"/>
-              <a:t>11/11/24</a:t>
+              <a:t>11/12/24</a:t>
             </a:fld>
             <a:endParaRPr lang="en-US"/>
           </a:p>
@@ -9209,7 +9209,7 @@
                 </a:ln>
                 <a:latin typeface="Helvetica Light" panose="020B0403020202020204" pitchFamily="34" charset="0"/>
               </a:rPr>
-              <a:t>ssignment_6_python.md &amp; answers (for week 	12)</a:t>
+              <a:t>ssignment_6_python.md &amp; answers (for week 	13)</a:t>
             </a:r>
           </a:p>
         </p:txBody>
@@ -10709,7 +10709,7 @@
               <a:rPr lang="en-US" sz="2600" dirty="0">
                 <a:latin typeface="Helvetica Light" panose="020B0403020202020204" pitchFamily="34" charset="0"/>
               </a:rPr>
-              <a:t>, so requires or resembles much of its functionality.</a:t>
+              <a:t>, so requires or resembles much of its functionality and syntax.</a:t>
             </a:r>
           </a:p>
           <a:p>
